--- a/데베설/ppt/데이터베이스설계 1조 중간발표.pptx
+++ b/데베설/ppt/데이터베이스설계 1조 중간발표.pptx
@@ -269,7 +269,7 @@
               <a:pPr lvl="0">
                 <a:defRPr/>
               </a:pPr>
-              <a:t>2023-05-01</a:t>
+              <a:t>2023. 6. 1.</a:t>
             </a:fld>
             <a:endParaRPr lang="ko-KR" altLang="en-US"/>
           </a:p>
@@ -351,6 +351,11 @@
         </p:txBody>
       </p:sp>
     </p:spTree>
+    <p:extLst>
+      <p:ext uri="{BB962C8B-B14F-4D97-AF65-F5344CB8AC3E}">
+        <p14:creationId xmlns:p14="http://schemas.microsoft.com/office/powerpoint/2010/main" val="1"/>
+      </p:ext>
+    </p:extLst>
   </p:cSld>
   <p:clrMap bg1="lt1" tx1="dk1" bg2="lt2" tx2="dk2" accent1="accent1" accent2="accent2" accent3="accent3" accent4="accent4" accent5="accent5" accent6="accent6" hlink="hlink" folHlink="folHlink"/>
 </p:handoutMaster>
@@ -447,7 +452,7 @@
               <a:pPr lvl="0">
                 <a:defRPr/>
               </a:pPr>
-              <a:t>2023-05-01</a:t>
+              <a:t>2023. 6. 1.</a:t>
             </a:fld>
             <a:endParaRPr lang="ko-KR" altLang="en-US"/>
           </a:p>
@@ -984,7 +989,7 @@
           <a:p>
             <a:fld id="{9FE7A9D4-2312-4C80-955C-3A7FA2F8832A}" type="datetimeFigureOut">
               <a:rPr lang="ko-KR" altLang="en-US" smtClean="0"/>
-              <a:t>2023-05-01</a:t>
+              <a:t>2023. 6. 1.</a:t>
             </a:fld>
             <a:endParaRPr lang="ko-KR" altLang="en-US"/>
           </a:p>
@@ -1835,7 +1840,7 @@
         <p:fade/>
       </p:transition>
     </mc:Choice>
-    <mc:Fallback xmlns:dsp="http://schemas.microsoft.com/office/drawing/2008/diagram" xmlns:dgm="http://schemas.openxmlformats.org/drawingml/2006/diagram" xmlns:c="http://schemas.openxmlformats.org/drawingml/2006/chart" xmlns="">
+    <mc:Fallback xmlns="" xmlns:c="http://schemas.openxmlformats.org/drawingml/2006/chart" xmlns:dgm="http://schemas.openxmlformats.org/drawingml/2006/diagram" xmlns:dsp="http://schemas.microsoft.com/office/drawing/2008/diagram">
       <p:transition xmlns:mc="http://schemas.openxmlformats.org/markup-compatibility/2006" xmlns:hp="http://schemas.haansoft.com/office/presentation/8.0" mc:Ignorable="hp" hp:hslDur="700">
         <p:fade/>
       </p:transition>
@@ -1904,7 +1909,7 @@
         <p:fade/>
       </p:transition>
     </mc:Choice>
-    <mc:Fallback xmlns:dsp="http://schemas.microsoft.com/office/drawing/2008/diagram" xmlns:dgm="http://schemas.openxmlformats.org/drawingml/2006/diagram" xmlns:c="http://schemas.openxmlformats.org/drawingml/2006/chart" xmlns="">
+    <mc:Fallback xmlns="" xmlns:c="http://schemas.openxmlformats.org/drawingml/2006/chart" xmlns:dgm="http://schemas.openxmlformats.org/drawingml/2006/diagram" xmlns:dsp="http://schemas.microsoft.com/office/drawing/2008/diagram">
       <p:transition xmlns:mc="http://schemas.openxmlformats.org/markup-compatibility/2006" xmlns:hp="http://schemas.haansoft.com/office/presentation/8.0" mc:Ignorable="hp" hp:hslDur="700">
         <p:fade/>
       </p:transition>
@@ -2034,7 +2039,7 @@
         <p:fade/>
       </p:transition>
     </mc:Choice>
-    <mc:Fallback xmlns:dsp="http://schemas.microsoft.com/office/drawing/2008/diagram" xmlns:dgm="http://schemas.openxmlformats.org/drawingml/2006/diagram" xmlns:c="http://schemas.openxmlformats.org/drawingml/2006/chart" xmlns="">
+    <mc:Fallback xmlns="" xmlns:c="http://schemas.openxmlformats.org/drawingml/2006/chart" xmlns:dgm="http://schemas.openxmlformats.org/drawingml/2006/diagram" xmlns:dsp="http://schemas.microsoft.com/office/drawing/2008/diagram">
       <p:transition xmlns:mc="http://schemas.openxmlformats.org/markup-compatibility/2006" xmlns:hp="http://schemas.haansoft.com/office/presentation/8.0" mc:Ignorable="hp" hp:hslDur="700">
         <p:fade/>
       </p:transition>
@@ -2514,7 +2519,7 @@
         <p:fade/>
       </p:transition>
     </mc:Choice>
-    <mc:Fallback xmlns:dsp="http://schemas.microsoft.com/office/drawing/2008/diagram" xmlns:dgm="http://schemas.openxmlformats.org/drawingml/2006/diagram" xmlns:c="http://schemas.openxmlformats.org/drawingml/2006/chart" xmlns="">
+    <mc:Fallback xmlns="" xmlns:c="http://schemas.openxmlformats.org/drawingml/2006/chart" xmlns:dgm="http://schemas.openxmlformats.org/drawingml/2006/diagram" xmlns:dsp="http://schemas.microsoft.com/office/drawing/2008/diagram">
       <p:transition xmlns:mc="http://schemas.openxmlformats.org/markup-compatibility/2006" xmlns:hp="http://schemas.haansoft.com/office/presentation/8.0" mc:Ignorable="hp" hp:hslDur="700">
         <p:fade/>
       </p:transition>
@@ -2663,7 +2668,7 @@
         <p:fade/>
       </p:transition>
     </mc:Choice>
-    <mc:Fallback xmlns:dsp="http://schemas.microsoft.com/office/drawing/2008/diagram" xmlns:dgm="http://schemas.openxmlformats.org/drawingml/2006/diagram" xmlns:c="http://schemas.openxmlformats.org/drawingml/2006/chart" xmlns="">
+    <mc:Fallback xmlns="" xmlns:c="http://schemas.openxmlformats.org/drawingml/2006/chart" xmlns:dgm="http://schemas.openxmlformats.org/drawingml/2006/diagram" xmlns:dsp="http://schemas.microsoft.com/office/drawing/2008/diagram">
       <p:transition xmlns:mc="http://schemas.openxmlformats.org/markup-compatibility/2006" xmlns:hp="http://schemas.haansoft.com/office/presentation/8.0" mc:Ignorable="hp" hp:hslDur="700">
         <p:fade/>
       </p:transition>
@@ -4192,7 +4197,7 @@
         <p:fade/>
       </p:transition>
     </mc:Choice>
-    <mc:Fallback xmlns:dsp="http://schemas.microsoft.com/office/drawing/2008/diagram" xmlns:dgm="http://schemas.openxmlformats.org/drawingml/2006/diagram" xmlns:c="http://schemas.openxmlformats.org/drawingml/2006/chart" xmlns="">
+    <mc:Fallback xmlns="" xmlns:c="http://schemas.openxmlformats.org/drawingml/2006/chart" xmlns:dgm="http://schemas.openxmlformats.org/drawingml/2006/diagram" xmlns:dsp="http://schemas.microsoft.com/office/drawing/2008/diagram">
       <p:transition xmlns:mc="http://schemas.openxmlformats.org/markup-compatibility/2006" xmlns:hp="http://schemas.haansoft.com/office/presentation/8.0" spd="med" mc:Ignorable="hp" hp:hslDur="1000">
         <p:fade/>
       </p:transition>
@@ -4749,7 +4754,7 @@
         <p:fade/>
       </p:transition>
     </mc:Choice>
-    <mc:Fallback xmlns:dsp="http://schemas.microsoft.com/office/drawing/2008/diagram" xmlns:dgm="http://schemas.openxmlformats.org/drawingml/2006/diagram" xmlns:c="http://schemas.openxmlformats.org/drawingml/2006/chart" xmlns="">
+    <mc:Fallback xmlns="" xmlns:c="http://schemas.openxmlformats.org/drawingml/2006/chart" xmlns:dgm="http://schemas.openxmlformats.org/drawingml/2006/diagram" xmlns:dsp="http://schemas.microsoft.com/office/drawing/2008/diagram">
       <p:transition xmlns:mc="http://schemas.openxmlformats.org/markup-compatibility/2006" xmlns:hp="http://schemas.haansoft.com/office/presentation/8.0" spd="med" mc:Ignorable="hp" hp:hslDur="1000">
         <p:fade/>
       </p:transition>
@@ -4898,7 +4903,7 @@
         <p:fade/>
       </p:transition>
     </mc:Choice>
-    <mc:Fallback xmlns:dsp="http://schemas.microsoft.com/office/drawing/2008/diagram" xmlns:dgm="http://schemas.openxmlformats.org/drawingml/2006/diagram" xmlns:c="http://schemas.openxmlformats.org/drawingml/2006/chart" xmlns="">
+    <mc:Fallback xmlns="" xmlns:c="http://schemas.openxmlformats.org/drawingml/2006/chart" xmlns:dgm="http://schemas.openxmlformats.org/drawingml/2006/diagram" xmlns:dsp="http://schemas.microsoft.com/office/drawing/2008/diagram">
       <p:transition xmlns:mc="http://schemas.openxmlformats.org/markup-compatibility/2006" xmlns:hp="http://schemas.haansoft.com/office/presentation/8.0" mc:Ignorable="hp" hp:hslDur="700">
         <p:fade/>
       </p:transition>
@@ -5961,7 +5966,7 @@
         <p:fade/>
       </p:transition>
     </mc:Choice>
-    <mc:Fallback xmlns:dsp="http://schemas.microsoft.com/office/drawing/2008/diagram" xmlns:dgm="http://schemas.openxmlformats.org/drawingml/2006/diagram" xmlns:c="http://schemas.openxmlformats.org/drawingml/2006/chart" xmlns="">
+    <mc:Fallback xmlns="" xmlns:c="http://schemas.openxmlformats.org/drawingml/2006/chart" xmlns:dgm="http://schemas.openxmlformats.org/drawingml/2006/diagram" xmlns:dsp="http://schemas.microsoft.com/office/drawing/2008/diagram">
       <p:transition xmlns:mc="http://schemas.openxmlformats.org/markup-compatibility/2006" xmlns:hp="http://schemas.haansoft.com/office/presentation/8.0" spd="med" mc:Ignorable="hp" hp:hslDur="1000">
         <p:fade/>
       </p:transition>
@@ -6532,7 +6537,7 @@
         <p:fade/>
       </p:transition>
     </mc:Choice>
-    <mc:Fallback xmlns:dsp="http://schemas.microsoft.com/office/drawing/2008/diagram" xmlns:dgm="http://schemas.openxmlformats.org/drawingml/2006/diagram" xmlns:c="http://schemas.openxmlformats.org/drawingml/2006/chart" xmlns="">
+    <mc:Fallback xmlns="" xmlns:c="http://schemas.openxmlformats.org/drawingml/2006/chart" xmlns:dgm="http://schemas.openxmlformats.org/drawingml/2006/diagram" xmlns:dsp="http://schemas.microsoft.com/office/drawing/2008/diagram">
       <p:transition xmlns:mc="http://schemas.openxmlformats.org/markup-compatibility/2006" xmlns:hp="http://schemas.haansoft.com/office/presentation/8.0" spd="med" mc:Ignorable="hp" hp:hslDur="1000">
         <p:fade/>
       </p:transition>
@@ -7311,13 +7316,13 @@
   <p:clrMapOvr>
     <a:masterClrMapping/>
   </p:clrMapOvr>
-  <mc:AlternateContent xmlns:mc="http://schemas.openxmlformats.org/markup-compatibility/2006">
-    <mc:Choice xmlns:p159="http://schemas.microsoft.com/office/powerpoint/2015/09/main" Requires="p159">
+  <mc:AlternateContent xmlns:mc="http://schemas.openxmlformats.org/markup-compatibility/2006" xmlns:p159="http://schemas.microsoft.com/office/powerpoint/2015/09/main">
+    <mc:Choice Requires="p159">
       <p:transition xmlns:p14="http://schemas.microsoft.com/office/powerpoint/2010/main" spd="slow" p14:dur="2000" advClick="0">
         <p159:morph option="byObject"/>
       </p:transition>
     </mc:Choice>
-    <mc:Fallback>
+    <mc:Fallback xmlns="">
       <p:transition spd="slow" advClick="0">
         <p:fade/>
       </p:transition>
@@ -7464,7 +7469,7 @@
         <p:fade/>
       </p:transition>
     </mc:Choice>
-    <mc:Fallback xmlns:dsp="http://schemas.microsoft.com/office/drawing/2008/diagram" xmlns:dgm="http://schemas.openxmlformats.org/drawingml/2006/diagram" xmlns:c="http://schemas.openxmlformats.org/drawingml/2006/chart" xmlns="">
+    <mc:Fallback xmlns="" xmlns:c="http://schemas.openxmlformats.org/drawingml/2006/chart" xmlns:dgm="http://schemas.openxmlformats.org/drawingml/2006/diagram" xmlns:dsp="http://schemas.microsoft.com/office/drawing/2008/diagram">
       <p:transition xmlns:mc="http://schemas.openxmlformats.org/markup-compatibility/2006" xmlns:hp="http://schemas.haansoft.com/office/presentation/8.0" mc:Ignorable="hp" hp:hslDur="700">
         <p:fade/>
       </p:transition>
@@ -9135,7 +9140,7 @@
         <p:fade/>
       </p:transition>
     </mc:Choice>
-    <mc:Fallback xmlns:dsp="http://schemas.microsoft.com/office/drawing/2008/diagram" xmlns:dgm="http://schemas.openxmlformats.org/drawingml/2006/diagram" xmlns:c="http://schemas.openxmlformats.org/drawingml/2006/chart" xmlns="">
+    <mc:Fallback xmlns="" xmlns:c="http://schemas.openxmlformats.org/drawingml/2006/chart" xmlns:dgm="http://schemas.openxmlformats.org/drawingml/2006/diagram" xmlns:dsp="http://schemas.microsoft.com/office/drawing/2008/diagram">
       <p:transition xmlns:mc="http://schemas.openxmlformats.org/markup-compatibility/2006" xmlns:hp="http://schemas.haansoft.com/office/presentation/8.0" spd="med" mc:Ignorable="hp" hp:hslDur="1000">
         <p:fade/>
       </p:transition>
@@ -10324,7 +10329,7 @@
         <p:fade/>
       </p:transition>
     </mc:Choice>
-    <mc:Fallback xmlns:dsp="http://schemas.microsoft.com/office/drawing/2008/diagram" xmlns:dgm="http://schemas.openxmlformats.org/drawingml/2006/diagram" xmlns:c="http://schemas.openxmlformats.org/drawingml/2006/chart" xmlns="">
+    <mc:Fallback xmlns="" xmlns:c="http://schemas.openxmlformats.org/drawingml/2006/chart" xmlns:dgm="http://schemas.openxmlformats.org/drawingml/2006/diagram" xmlns:dsp="http://schemas.microsoft.com/office/drawing/2008/diagram">
       <p:transition xmlns:mc="http://schemas.openxmlformats.org/markup-compatibility/2006" xmlns:hp="http://schemas.haansoft.com/office/presentation/8.0" spd="med" mc:Ignorable="hp" hp:hslDur="1000">
         <p:fade/>
       </p:transition>
@@ -10468,7 +10473,7 @@
         <p:fade/>
       </p:transition>
     </mc:Choice>
-    <mc:Fallback xmlns:dsp="http://schemas.microsoft.com/office/drawing/2008/diagram" xmlns:dgm="http://schemas.openxmlformats.org/drawingml/2006/diagram" xmlns:c="http://schemas.openxmlformats.org/drawingml/2006/chart" xmlns="">
+    <mc:Fallback xmlns="" xmlns:c="http://schemas.openxmlformats.org/drawingml/2006/chart" xmlns:dgm="http://schemas.openxmlformats.org/drawingml/2006/diagram" xmlns:dsp="http://schemas.microsoft.com/office/drawing/2008/diagram">
       <p:transition xmlns:mc="http://schemas.openxmlformats.org/markup-compatibility/2006" xmlns:hp="http://schemas.haansoft.com/office/presentation/8.0" mc:Ignorable="hp" hp:hslDur="700">
         <p:fade/>
       </p:transition>
@@ -11484,7 +11489,7 @@
         <p:fade/>
       </p:transition>
     </mc:Choice>
-    <mc:Fallback xmlns:dsp="http://schemas.microsoft.com/office/drawing/2008/diagram" xmlns:dgm="http://schemas.openxmlformats.org/drawingml/2006/diagram" xmlns:c="http://schemas.openxmlformats.org/drawingml/2006/chart" xmlns="">
+    <mc:Fallback xmlns="" xmlns:c="http://schemas.openxmlformats.org/drawingml/2006/chart" xmlns:dgm="http://schemas.openxmlformats.org/drawingml/2006/diagram" xmlns:dsp="http://schemas.microsoft.com/office/drawing/2008/diagram">
       <p:transition xmlns:mc="http://schemas.openxmlformats.org/markup-compatibility/2006" xmlns:hp="http://schemas.haansoft.com/office/presentation/8.0" spd="med" mc:Ignorable="hp" hp:hslDur="1000">
         <p:fade/>
       </p:transition>
@@ -11991,7 +11996,7 @@
         <p:fade/>
       </p:transition>
     </mc:Choice>
-    <mc:Fallback xmlns:dsp="http://schemas.microsoft.com/office/drawing/2008/diagram" xmlns:dgm="http://schemas.openxmlformats.org/drawingml/2006/diagram" xmlns:c="http://schemas.openxmlformats.org/drawingml/2006/chart" xmlns="">
+    <mc:Fallback xmlns="" xmlns:c="http://schemas.openxmlformats.org/drawingml/2006/chart" xmlns:dgm="http://schemas.openxmlformats.org/drawingml/2006/diagram" xmlns:dsp="http://schemas.microsoft.com/office/drawing/2008/diagram">
       <p:transition xmlns:mc="http://schemas.openxmlformats.org/markup-compatibility/2006" xmlns:hp="http://schemas.haansoft.com/office/presentation/8.0" spd="med" mc:Ignorable="hp" hp:hslDur="1000">
         <p:fade/>
       </p:transition>
@@ -13311,7 +13316,7 @@
         <p:fade/>
       </p:transition>
     </mc:Choice>
-    <mc:Fallback xmlns:dsp="http://schemas.microsoft.com/office/drawing/2008/diagram" xmlns:dgm="http://schemas.openxmlformats.org/drawingml/2006/diagram" xmlns:c="http://schemas.openxmlformats.org/drawingml/2006/chart" xmlns="">
+    <mc:Fallback xmlns="" xmlns:c="http://schemas.openxmlformats.org/drawingml/2006/chart" xmlns:dgm="http://schemas.openxmlformats.org/drawingml/2006/diagram" xmlns:dsp="http://schemas.microsoft.com/office/drawing/2008/diagram">
       <p:transition xmlns:mc="http://schemas.openxmlformats.org/markup-compatibility/2006" xmlns:hp="http://schemas.haansoft.com/office/presentation/8.0" spd="med" mc:Ignorable="hp" hp:hslDur="1000">
         <p:fade/>
       </p:transition>
@@ -13611,7 +13616,7 @@
     <mc:Choice Requires="p14">
       <p:transition/>
     </mc:Choice>
-    <mc:Fallback xmlns:dsp="http://schemas.microsoft.com/office/drawing/2008/diagram" xmlns:dgm="http://schemas.openxmlformats.org/drawingml/2006/diagram" xmlns:c="http://schemas.openxmlformats.org/drawingml/2006/chart" xmlns="">
+    <mc:Fallback xmlns="" xmlns:c="http://schemas.openxmlformats.org/drawingml/2006/chart" xmlns:dgm="http://schemas.openxmlformats.org/drawingml/2006/diagram" xmlns:dsp="http://schemas.microsoft.com/office/drawing/2008/diagram">
       <p:transition/>
     </mc:Fallback>
   </mc:AlternateContent>
@@ -13760,7 +13765,7 @@
     <mc:Choice Requires="p14">
       <p:transition/>
     </mc:Choice>
-    <mc:Fallback xmlns:dsp="http://schemas.microsoft.com/office/drawing/2008/diagram" xmlns:dgm="http://schemas.openxmlformats.org/drawingml/2006/diagram" xmlns:c="http://schemas.openxmlformats.org/drawingml/2006/chart" xmlns="">
+    <mc:Fallback xmlns="" xmlns:c="http://schemas.openxmlformats.org/drawingml/2006/chart" xmlns:dgm="http://schemas.openxmlformats.org/drawingml/2006/diagram" xmlns:dsp="http://schemas.microsoft.com/office/drawing/2008/diagram">
       <p:transition/>
     </mc:Fallback>
   </mc:AlternateContent>
@@ -14052,7 +14057,7 @@
     <mc:Choice Requires="p14">
       <p:transition/>
     </mc:Choice>
-    <mc:Fallback xmlns:dsp="http://schemas.microsoft.com/office/drawing/2008/diagram" xmlns:dgm="http://schemas.openxmlformats.org/drawingml/2006/diagram" xmlns:c="http://schemas.openxmlformats.org/drawingml/2006/chart" xmlns="">
+    <mc:Fallback xmlns="" xmlns:c="http://schemas.openxmlformats.org/drawingml/2006/chart" xmlns:dgm="http://schemas.openxmlformats.org/drawingml/2006/diagram" xmlns:dsp="http://schemas.microsoft.com/office/drawing/2008/diagram">
       <p:transition/>
     </mc:Fallback>
   </mc:AlternateContent>
@@ -14201,7 +14206,7 @@
     <mc:Choice Requires="p14">
       <p:transition/>
     </mc:Choice>
-    <mc:Fallback xmlns:dsp="http://schemas.microsoft.com/office/drawing/2008/diagram" xmlns:dgm="http://schemas.openxmlformats.org/drawingml/2006/diagram" xmlns:c="http://schemas.openxmlformats.org/drawingml/2006/chart" xmlns="">
+    <mc:Fallback xmlns="" xmlns:c="http://schemas.openxmlformats.org/drawingml/2006/chart" xmlns:dgm="http://schemas.openxmlformats.org/drawingml/2006/diagram" xmlns:dsp="http://schemas.microsoft.com/office/drawing/2008/diagram">
       <p:transition/>
     </mc:Fallback>
   </mc:AlternateContent>
@@ -14350,7 +14355,7 @@
     <mc:Choice Requires="p14">
       <p:transition/>
     </mc:Choice>
-    <mc:Fallback xmlns:dsp="http://schemas.microsoft.com/office/drawing/2008/diagram" xmlns:dgm="http://schemas.openxmlformats.org/drawingml/2006/diagram" xmlns:c="http://schemas.openxmlformats.org/drawingml/2006/chart" xmlns="">
+    <mc:Fallback xmlns="" xmlns:c="http://schemas.openxmlformats.org/drawingml/2006/chart" xmlns:dgm="http://schemas.openxmlformats.org/drawingml/2006/diagram" xmlns:dsp="http://schemas.microsoft.com/office/drawing/2008/diagram">
       <p:transition/>
     </mc:Fallback>
   </mc:AlternateContent>
@@ -14489,7 +14494,7 @@
     <mc:Choice Requires="p14">
       <p:transition/>
     </mc:Choice>
-    <mc:Fallback xmlns:dsp="http://schemas.microsoft.com/office/drawing/2008/diagram" xmlns:dgm="http://schemas.openxmlformats.org/drawingml/2006/diagram" xmlns:c="http://schemas.openxmlformats.org/drawingml/2006/chart" xmlns="">
+    <mc:Fallback xmlns="" xmlns:c="http://schemas.openxmlformats.org/drawingml/2006/chart" xmlns:dgm="http://schemas.openxmlformats.org/drawingml/2006/diagram" xmlns:dsp="http://schemas.microsoft.com/office/drawing/2008/diagram">
       <p:transition/>
     </mc:Fallback>
   </mc:AlternateContent>
@@ -14636,7 +14641,7 @@
     <mc:Choice Requires="p14">
       <p:transition/>
     </mc:Choice>
-    <mc:Fallback xmlns:dsp="http://schemas.microsoft.com/office/drawing/2008/diagram" xmlns:dgm="http://schemas.openxmlformats.org/drawingml/2006/diagram" xmlns:c="http://schemas.openxmlformats.org/drawingml/2006/chart" xmlns="">
+    <mc:Fallback xmlns="" xmlns:c="http://schemas.openxmlformats.org/drawingml/2006/chart" xmlns:dgm="http://schemas.openxmlformats.org/drawingml/2006/diagram" xmlns:dsp="http://schemas.microsoft.com/office/drawing/2008/diagram">
       <p:transition/>
     </mc:Fallback>
   </mc:AlternateContent>
@@ -14783,7 +14788,7 @@
     <mc:Choice Requires="p14">
       <p:transition/>
     </mc:Choice>
-    <mc:Fallback xmlns:dsp="http://schemas.microsoft.com/office/drawing/2008/diagram" xmlns:dgm="http://schemas.openxmlformats.org/drawingml/2006/diagram" xmlns:c="http://schemas.openxmlformats.org/drawingml/2006/chart" xmlns="">
+    <mc:Fallback xmlns="" xmlns:c="http://schemas.openxmlformats.org/drawingml/2006/chart" xmlns:dgm="http://schemas.openxmlformats.org/drawingml/2006/diagram" xmlns:dsp="http://schemas.microsoft.com/office/drawing/2008/diagram">
       <p:transition/>
     </mc:Fallback>
   </mc:AlternateContent>
@@ -14972,7 +14977,7 @@
         <p:fade/>
       </p:transition>
     </mc:Choice>
-    <mc:Fallback xmlns:dsp="http://schemas.microsoft.com/office/drawing/2008/diagram" xmlns:dgm="http://schemas.openxmlformats.org/drawingml/2006/diagram" xmlns:c="http://schemas.openxmlformats.org/drawingml/2006/chart" xmlns="">
+    <mc:Fallback xmlns="" xmlns:c="http://schemas.openxmlformats.org/drawingml/2006/chart" xmlns:dgm="http://schemas.openxmlformats.org/drawingml/2006/diagram" xmlns:dsp="http://schemas.microsoft.com/office/drawing/2008/diagram">
       <p:transition xmlns:mc="http://schemas.openxmlformats.org/markup-compatibility/2006" xmlns:hp="http://schemas.haansoft.com/office/presentation/8.0" spd="med" mc:Ignorable="hp" hp:hslDur="1000">
         <p:fade/>
       </p:transition>
@@ -15147,7 +15152,7 @@
         <p:fade/>
       </p:transition>
     </mc:Choice>
-    <mc:Fallback xmlns:dsp="http://schemas.microsoft.com/office/drawing/2008/diagram" xmlns:dgm="http://schemas.openxmlformats.org/drawingml/2006/diagram" xmlns:c="http://schemas.openxmlformats.org/drawingml/2006/chart" xmlns="">
+    <mc:Fallback xmlns="" xmlns:c="http://schemas.openxmlformats.org/drawingml/2006/chart" xmlns:dgm="http://schemas.openxmlformats.org/drawingml/2006/diagram" xmlns:dsp="http://schemas.microsoft.com/office/drawing/2008/diagram">
       <p:transition xmlns:mc="http://schemas.openxmlformats.org/markup-compatibility/2006" xmlns:hp="http://schemas.haansoft.com/office/presentation/8.0" spd="med" mc:Ignorable="hp" hp:hslDur="1000">
         <p:fade/>
       </p:transition>
@@ -15382,7 +15387,7 @@
         <p:fade/>
       </p:transition>
     </mc:Choice>
-    <mc:Fallback xmlns:dsp="http://schemas.microsoft.com/office/drawing/2008/diagram" xmlns:dgm="http://schemas.openxmlformats.org/drawingml/2006/diagram" xmlns:c="http://schemas.openxmlformats.org/drawingml/2006/chart" xmlns="">
+    <mc:Fallback xmlns="" xmlns:c="http://schemas.openxmlformats.org/drawingml/2006/chart" xmlns:dgm="http://schemas.openxmlformats.org/drawingml/2006/diagram" xmlns:dsp="http://schemas.microsoft.com/office/drawing/2008/diagram">
       <p:transition xmlns:mc="http://schemas.openxmlformats.org/markup-compatibility/2006" xmlns:hp="http://schemas.haansoft.com/office/presentation/8.0" spd="med" mc:Ignorable="hp" hp:hslDur="1000">
         <p:fade/>
       </p:transition>
@@ -15936,7 +15941,7 @@
         <p:fade/>
       </p:transition>
     </mc:Choice>
-    <mc:Fallback xmlns:dsp="http://schemas.microsoft.com/office/drawing/2008/diagram" xmlns:dgm="http://schemas.openxmlformats.org/drawingml/2006/diagram" xmlns:c="http://schemas.openxmlformats.org/drawingml/2006/chart" xmlns="">
+    <mc:Fallback xmlns="" xmlns:c="http://schemas.openxmlformats.org/drawingml/2006/chart" xmlns:dgm="http://schemas.openxmlformats.org/drawingml/2006/diagram" xmlns:dsp="http://schemas.microsoft.com/office/drawing/2008/diagram">
       <p:transition xmlns:mc="http://schemas.openxmlformats.org/markup-compatibility/2006" xmlns:hp="http://schemas.haansoft.com/office/presentation/8.0" spd="med" mc:Ignorable="hp" hp:hslDur="1000">
         <p:fade/>
       </p:transition>
@@ -16119,7 +16124,7 @@
         <p:fade/>
       </p:transition>
     </mc:Choice>
-    <mc:Fallback xmlns:dsp="http://schemas.microsoft.com/office/drawing/2008/diagram" xmlns:dgm="http://schemas.openxmlformats.org/drawingml/2006/diagram" xmlns:c="http://schemas.openxmlformats.org/drawingml/2006/chart" xmlns="">
+    <mc:Fallback xmlns="" xmlns:c="http://schemas.openxmlformats.org/drawingml/2006/chart" xmlns:dgm="http://schemas.openxmlformats.org/drawingml/2006/diagram" xmlns:dsp="http://schemas.microsoft.com/office/drawing/2008/diagram">
       <p:transition xmlns:mc="http://schemas.openxmlformats.org/markup-compatibility/2006" xmlns:hp="http://schemas.haansoft.com/office/presentation/8.0" mc:Ignorable="hp" hp:hslDur="700">
         <p:fade/>
       </p:transition>
@@ -16302,7 +16307,7 @@
         <p:fade/>
       </p:transition>
     </mc:Choice>
-    <mc:Fallback xmlns:dsp="http://schemas.microsoft.com/office/drawing/2008/diagram" xmlns:dgm="http://schemas.openxmlformats.org/drawingml/2006/diagram" xmlns:c="http://schemas.openxmlformats.org/drawingml/2006/chart" xmlns="">
+    <mc:Fallback xmlns="" xmlns:c="http://schemas.openxmlformats.org/drawingml/2006/chart" xmlns:dgm="http://schemas.openxmlformats.org/drawingml/2006/diagram" xmlns:dsp="http://schemas.microsoft.com/office/drawing/2008/diagram">
       <p:transition xmlns:mc="http://schemas.openxmlformats.org/markup-compatibility/2006" xmlns:hp="http://schemas.haansoft.com/office/presentation/8.0" mc:Ignorable="hp" hp:hslDur="700">
         <p:fade/>
       </p:transition>
@@ -16485,7 +16490,7 @@
         <p:fade/>
       </p:transition>
     </mc:Choice>
-    <mc:Fallback xmlns:dsp="http://schemas.microsoft.com/office/drawing/2008/diagram" xmlns:dgm="http://schemas.openxmlformats.org/drawingml/2006/diagram" xmlns:c="http://schemas.openxmlformats.org/drawingml/2006/chart" xmlns="">
+    <mc:Fallback xmlns="" xmlns:c="http://schemas.openxmlformats.org/drawingml/2006/chart" xmlns:dgm="http://schemas.openxmlformats.org/drawingml/2006/diagram" xmlns:dsp="http://schemas.microsoft.com/office/drawing/2008/diagram">
       <p:transition xmlns:mc="http://schemas.openxmlformats.org/markup-compatibility/2006" xmlns:hp="http://schemas.haansoft.com/office/presentation/8.0" mc:Ignorable="hp" hp:hslDur="700">
         <p:fade/>
       </p:transition>
@@ -16668,7 +16673,7 @@
         <p:fade/>
       </p:transition>
     </mc:Choice>
-    <mc:Fallback xmlns:dsp="http://schemas.microsoft.com/office/drawing/2008/diagram" xmlns:dgm="http://schemas.openxmlformats.org/drawingml/2006/diagram" xmlns:c="http://schemas.openxmlformats.org/drawingml/2006/chart" xmlns="">
+    <mc:Fallback xmlns="" xmlns:c="http://schemas.openxmlformats.org/drawingml/2006/chart" xmlns:dgm="http://schemas.openxmlformats.org/drawingml/2006/diagram" xmlns:dsp="http://schemas.microsoft.com/office/drawing/2008/diagram">
       <p:transition xmlns:mc="http://schemas.openxmlformats.org/markup-compatibility/2006" xmlns:hp="http://schemas.haansoft.com/office/presentation/8.0" mc:Ignorable="hp" hp:hslDur="700">
         <p:fade/>
       </p:transition>
@@ -16901,7 +16906,7 @@
         <p:fade/>
       </p:transition>
     </mc:Choice>
-    <mc:Fallback xmlns:dsp="http://schemas.microsoft.com/office/drawing/2008/diagram" xmlns:dgm="http://schemas.openxmlformats.org/drawingml/2006/diagram" xmlns:c="http://schemas.openxmlformats.org/drawingml/2006/chart" xmlns="">
+    <mc:Fallback xmlns="" xmlns:c="http://schemas.openxmlformats.org/drawingml/2006/chart" xmlns:dgm="http://schemas.openxmlformats.org/drawingml/2006/diagram" xmlns:dsp="http://schemas.microsoft.com/office/drawing/2008/diagram">
       <p:transition xmlns:mc="http://schemas.openxmlformats.org/markup-compatibility/2006" xmlns:hp="http://schemas.haansoft.com/office/presentation/8.0" mc:Ignorable="hp" hp:hslDur="700">
         <p:fade/>
       </p:transition>
@@ -17116,7 +17121,7 @@
         <p:fade/>
       </p:transition>
     </mc:Choice>
-    <mc:Fallback xmlns:dsp="http://schemas.microsoft.com/office/drawing/2008/diagram" xmlns:dgm="http://schemas.openxmlformats.org/drawingml/2006/diagram" xmlns:c="http://schemas.openxmlformats.org/drawingml/2006/chart" xmlns="">
+    <mc:Fallback xmlns="" xmlns:c="http://schemas.openxmlformats.org/drawingml/2006/chart" xmlns:dgm="http://schemas.openxmlformats.org/drawingml/2006/diagram" xmlns:dsp="http://schemas.microsoft.com/office/drawing/2008/diagram">
       <p:transition xmlns:mc="http://schemas.openxmlformats.org/markup-compatibility/2006" xmlns:hp="http://schemas.haansoft.com/office/presentation/8.0" mc:Ignorable="hp" hp:hslDur="700">
         <p:fade/>
       </p:transition>
